--- a/docs/字体展示.pptx
+++ b/docs/字体展示.pptx
@@ -109,6 +109,11 @@
       </a:defRPr>
     </a:lvl9pPr>
   </p:defaultTextStyle>
+  <p:extLst>
+    <p:ext uri="{EFAFB233-063F-42B5-8137-9DF3F51BA10A}">
+      <p15:sldGuideLst xmlns:p15="http://schemas.microsoft.com/office/powerpoint/2012/main"/>
+    </p:ext>
+  </p:extLst>
 </p:presentation>
 </file>
 
@@ -194,7 +199,7 @@
           <a:p>
             <a:fld id="{F58CAACE-3D55-404F-A813-2C6DFCF1AFFE}" type="datetimeFigureOut">
               <a:rPr lang="zh-CN" altLang="en-US" smtClean="0"/>
-              <a:t>2021/11/25</a:t>
+              <a:t>2022/7/1</a:t>
             </a:fld>
             <a:endParaRPr lang="zh-CN" altLang="en-US"/>
           </a:p>
@@ -608,7 +613,7 @@
           <a:p>
             <a:fld id="{5221D2F3-8F18-40F3-B2CE-AC2AFBD6FFAC}" type="datetimeFigureOut">
               <a:rPr lang="zh-CN" altLang="en-US" smtClean="0"/>
-              <a:t>2021/11/25</a:t>
+              <a:t>2022/7/1</a:t>
             </a:fld>
             <a:endParaRPr lang="zh-CN" altLang="en-US"/>
           </a:p>
@@ -806,7 +811,7 @@
           <a:p>
             <a:fld id="{5221D2F3-8F18-40F3-B2CE-AC2AFBD6FFAC}" type="datetimeFigureOut">
               <a:rPr lang="zh-CN" altLang="en-US" smtClean="0"/>
-              <a:t>2021/11/25</a:t>
+              <a:t>2022/7/1</a:t>
             </a:fld>
             <a:endParaRPr lang="zh-CN" altLang="en-US"/>
           </a:p>
@@ -1014,7 +1019,7 @@
           <a:p>
             <a:fld id="{5221D2F3-8F18-40F3-B2CE-AC2AFBD6FFAC}" type="datetimeFigureOut">
               <a:rPr lang="zh-CN" altLang="en-US" smtClean="0"/>
-              <a:t>2021/11/25</a:t>
+              <a:t>2022/7/1</a:t>
             </a:fld>
             <a:endParaRPr lang="zh-CN" altLang="en-US"/>
           </a:p>
@@ -1212,7 +1217,7 @@
           <a:p>
             <a:fld id="{5221D2F3-8F18-40F3-B2CE-AC2AFBD6FFAC}" type="datetimeFigureOut">
               <a:rPr lang="zh-CN" altLang="en-US" smtClean="0"/>
-              <a:t>2021/11/25</a:t>
+              <a:t>2022/7/1</a:t>
             </a:fld>
             <a:endParaRPr lang="zh-CN" altLang="en-US"/>
           </a:p>
@@ -1487,7 +1492,7 @@
           <a:p>
             <a:fld id="{5221D2F3-8F18-40F3-B2CE-AC2AFBD6FFAC}" type="datetimeFigureOut">
               <a:rPr lang="zh-CN" altLang="en-US" smtClean="0"/>
-              <a:t>2021/11/25</a:t>
+              <a:t>2022/7/1</a:t>
             </a:fld>
             <a:endParaRPr lang="zh-CN" altLang="en-US"/>
           </a:p>
@@ -1752,7 +1757,7 @@
           <a:p>
             <a:fld id="{5221D2F3-8F18-40F3-B2CE-AC2AFBD6FFAC}" type="datetimeFigureOut">
               <a:rPr lang="zh-CN" altLang="en-US" smtClean="0"/>
-              <a:t>2021/11/25</a:t>
+              <a:t>2022/7/1</a:t>
             </a:fld>
             <a:endParaRPr lang="zh-CN" altLang="en-US"/>
           </a:p>
@@ -2164,7 +2169,7 @@
           <a:p>
             <a:fld id="{5221D2F3-8F18-40F3-B2CE-AC2AFBD6FFAC}" type="datetimeFigureOut">
               <a:rPr lang="zh-CN" altLang="en-US" smtClean="0"/>
-              <a:t>2021/11/25</a:t>
+              <a:t>2022/7/1</a:t>
             </a:fld>
             <a:endParaRPr lang="zh-CN" altLang="en-US"/>
           </a:p>
@@ -2305,7 +2310,7 @@
           <a:p>
             <a:fld id="{5221D2F3-8F18-40F3-B2CE-AC2AFBD6FFAC}" type="datetimeFigureOut">
               <a:rPr lang="zh-CN" altLang="en-US" smtClean="0"/>
-              <a:t>2021/11/25</a:t>
+              <a:t>2022/7/1</a:t>
             </a:fld>
             <a:endParaRPr lang="zh-CN" altLang="en-US"/>
           </a:p>
@@ -2418,7 +2423,7 @@
           <a:p>
             <a:fld id="{5221D2F3-8F18-40F3-B2CE-AC2AFBD6FFAC}" type="datetimeFigureOut">
               <a:rPr lang="zh-CN" altLang="en-US" smtClean="0"/>
-              <a:t>2021/11/25</a:t>
+              <a:t>2022/7/1</a:t>
             </a:fld>
             <a:endParaRPr lang="zh-CN" altLang="en-US"/>
           </a:p>
@@ -2729,7 +2734,7 @@
           <a:p>
             <a:fld id="{5221D2F3-8F18-40F3-B2CE-AC2AFBD6FFAC}" type="datetimeFigureOut">
               <a:rPr lang="zh-CN" altLang="en-US" smtClean="0"/>
-              <a:t>2021/11/25</a:t>
+              <a:t>2022/7/1</a:t>
             </a:fld>
             <a:endParaRPr lang="zh-CN" altLang="en-US"/>
           </a:p>
@@ -3017,7 +3022,7 @@
           <a:p>
             <a:fld id="{5221D2F3-8F18-40F3-B2CE-AC2AFBD6FFAC}" type="datetimeFigureOut">
               <a:rPr lang="zh-CN" altLang="en-US" smtClean="0"/>
-              <a:t>2021/11/25</a:t>
+              <a:t>2022/7/1</a:t>
             </a:fld>
             <a:endParaRPr lang="zh-CN" altLang="en-US"/>
           </a:p>
@@ -3264,7 +3269,7 @@
           <a:p>
             <a:fld id="{5221D2F3-8F18-40F3-B2CE-AC2AFBD6FFAC}" type="datetimeFigureOut">
               <a:rPr lang="zh-CN" altLang="en-US" smtClean="0"/>
-              <a:t>2021/11/25</a:t>
+              <a:t>2022/7/1</a:t>
             </a:fld>
             <a:endParaRPr lang="zh-CN" altLang="en-US"/>
           </a:p>
@@ -4138,7 +4143,7 @@
         <p:spPr>
           <a:xfrm>
             <a:off x="232288" y="2366082"/>
-            <a:ext cx="7653528" cy="1200329"/>
+            <a:ext cx="8234912" cy="1200329"/>
           </a:xfrm>
           <a:prstGeom prst="rect">
             <a:avLst/>
@@ -4316,7 +4321,7 @@
         <p:spPr>
           <a:xfrm>
             <a:off x="235976" y="3566411"/>
-            <a:ext cx="7653528" cy="1200329"/>
+            <a:ext cx="8483224" cy="1200329"/>
           </a:xfrm>
           <a:prstGeom prst="rect">
             <a:avLst/>
@@ -4494,7 +4499,7 @@
         <p:spPr>
           <a:xfrm>
             <a:off x="235016" y="1165753"/>
-            <a:ext cx="7653528" cy="1200329"/>
+            <a:ext cx="8664184" cy="1200329"/>
           </a:xfrm>
           <a:prstGeom prst="rect">
             <a:avLst/>
@@ -4683,7 +4688,7 @@
         <p:spPr>
           <a:xfrm>
             <a:off x="232288" y="4766740"/>
-            <a:ext cx="7653528" cy="1200329"/>
+            <a:ext cx="7882112" cy="1200329"/>
           </a:xfrm>
           <a:prstGeom prst="rect">
             <a:avLst/>

--- a/docs/字体展示.pptx
+++ b/docs/字体展示.pptx
@@ -199,7 +199,7 @@
           <a:p>
             <a:fld id="{F58CAACE-3D55-404F-A813-2C6DFCF1AFFE}" type="datetimeFigureOut">
               <a:rPr lang="zh-CN" altLang="en-US" smtClean="0"/>
-              <a:t>2022/7/1</a:t>
+              <a:t>2022/7/6</a:t>
             </a:fld>
             <a:endParaRPr lang="zh-CN" altLang="en-US"/>
           </a:p>
@@ -613,7 +613,7 @@
           <a:p>
             <a:fld id="{5221D2F3-8F18-40F3-B2CE-AC2AFBD6FFAC}" type="datetimeFigureOut">
               <a:rPr lang="zh-CN" altLang="en-US" smtClean="0"/>
-              <a:t>2022/7/1</a:t>
+              <a:t>2022/7/6</a:t>
             </a:fld>
             <a:endParaRPr lang="zh-CN" altLang="en-US"/>
           </a:p>
@@ -811,7 +811,7 @@
           <a:p>
             <a:fld id="{5221D2F3-8F18-40F3-B2CE-AC2AFBD6FFAC}" type="datetimeFigureOut">
               <a:rPr lang="zh-CN" altLang="en-US" smtClean="0"/>
-              <a:t>2022/7/1</a:t>
+              <a:t>2022/7/6</a:t>
             </a:fld>
             <a:endParaRPr lang="zh-CN" altLang="en-US"/>
           </a:p>
@@ -1019,7 +1019,7 @@
           <a:p>
             <a:fld id="{5221D2F3-8F18-40F3-B2CE-AC2AFBD6FFAC}" type="datetimeFigureOut">
               <a:rPr lang="zh-CN" altLang="en-US" smtClean="0"/>
-              <a:t>2022/7/1</a:t>
+              <a:t>2022/7/6</a:t>
             </a:fld>
             <a:endParaRPr lang="zh-CN" altLang="en-US"/>
           </a:p>
@@ -1217,7 +1217,7 @@
           <a:p>
             <a:fld id="{5221D2F3-8F18-40F3-B2CE-AC2AFBD6FFAC}" type="datetimeFigureOut">
               <a:rPr lang="zh-CN" altLang="en-US" smtClean="0"/>
-              <a:t>2022/7/1</a:t>
+              <a:t>2022/7/6</a:t>
             </a:fld>
             <a:endParaRPr lang="zh-CN" altLang="en-US"/>
           </a:p>
@@ -1492,7 +1492,7 @@
           <a:p>
             <a:fld id="{5221D2F3-8F18-40F3-B2CE-AC2AFBD6FFAC}" type="datetimeFigureOut">
               <a:rPr lang="zh-CN" altLang="en-US" smtClean="0"/>
-              <a:t>2022/7/1</a:t>
+              <a:t>2022/7/6</a:t>
             </a:fld>
             <a:endParaRPr lang="zh-CN" altLang="en-US"/>
           </a:p>
@@ -1757,7 +1757,7 @@
           <a:p>
             <a:fld id="{5221D2F3-8F18-40F3-B2CE-AC2AFBD6FFAC}" type="datetimeFigureOut">
               <a:rPr lang="zh-CN" altLang="en-US" smtClean="0"/>
-              <a:t>2022/7/1</a:t>
+              <a:t>2022/7/6</a:t>
             </a:fld>
             <a:endParaRPr lang="zh-CN" altLang="en-US"/>
           </a:p>
@@ -2169,7 +2169,7 @@
           <a:p>
             <a:fld id="{5221D2F3-8F18-40F3-B2CE-AC2AFBD6FFAC}" type="datetimeFigureOut">
               <a:rPr lang="zh-CN" altLang="en-US" smtClean="0"/>
-              <a:t>2022/7/1</a:t>
+              <a:t>2022/7/6</a:t>
             </a:fld>
             <a:endParaRPr lang="zh-CN" altLang="en-US"/>
           </a:p>
@@ -2310,7 +2310,7 @@
           <a:p>
             <a:fld id="{5221D2F3-8F18-40F3-B2CE-AC2AFBD6FFAC}" type="datetimeFigureOut">
               <a:rPr lang="zh-CN" altLang="en-US" smtClean="0"/>
-              <a:t>2022/7/1</a:t>
+              <a:t>2022/7/6</a:t>
             </a:fld>
             <a:endParaRPr lang="zh-CN" altLang="en-US"/>
           </a:p>
@@ -2423,7 +2423,7 @@
           <a:p>
             <a:fld id="{5221D2F3-8F18-40F3-B2CE-AC2AFBD6FFAC}" type="datetimeFigureOut">
               <a:rPr lang="zh-CN" altLang="en-US" smtClean="0"/>
-              <a:t>2022/7/1</a:t>
+              <a:t>2022/7/6</a:t>
             </a:fld>
             <a:endParaRPr lang="zh-CN" altLang="en-US"/>
           </a:p>
@@ -2734,7 +2734,7 @@
           <a:p>
             <a:fld id="{5221D2F3-8F18-40F3-B2CE-AC2AFBD6FFAC}" type="datetimeFigureOut">
               <a:rPr lang="zh-CN" altLang="en-US" smtClean="0"/>
-              <a:t>2022/7/1</a:t>
+              <a:t>2022/7/6</a:t>
             </a:fld>
             <a:endParaRPr lang="zh-CN" altLang="en-US"/>
           </a:p>
@@ -3022,7 +3022,7 @@
           <a:p>
             <a:fld id="{5221D2F3-8F18-40F3-B2CE-AC2AFBD6FFAC}" type="datetimeFigureOut">
               <a:rPr lang="zh-CN" altLang="en-US" smtClean="0"/>
-              <a:t>2022/7/1</a:t>
+              <a:t>2022/7/6</a:t>
             </a:fld>
             <a:endParaRPr lang="zh-CN" altLang="en-US"/>
           </a:p>
@@ -3269,7 +3269,7 @@
           <a:p>
             <a:fld id="{5221D2F3-8F18-40F3-B2CE-AC2AFBD6FFAC}" type="datetimeFigureOut">
               <a:rPr lang="zh-CN" altLang="en-US" smtClean="0"/>
-              <a:t>2022/7/1</a:t>
+              <a:t>2022/7/6</a:t>
             </a:fld>
             <a:endParaRPr lang="zh-CN" altLang="en-US"/>
           </a:p>

--- a/docs/字体展示.pptx
+++ b/docs/字体展示.pptx
@@ -1,19 +1,78 @@
 
 <file path=ppt/presentation.xml><?xml version="1.0" encoding="utf-8"?>
-<p:presentation xmlns:a="http://schemas.openxmlformats.org/drawingml/2006/main" xmlns:r="http://schemas.openxmlformats.org/officeDocument/2006/relationships" xmlns:p="http://schemas.openxmlformats.org/presentationml/2006/main" saveSubsetFonts="1">
+<p:presentation xmlns:a="http://schemas.openxmlformats.org/drawingml/2006/main" xmlns:r="http://schemas.openxmlformats.org/officeDocument/2006/relationships" xmlns:p="http://schemas.openxmlformats.org/presentationml/2006/main" embedTrueTypeFonts="1" saveSubsetFonts="1">
   <p:sldMasterIdLst>
     <p:sldMasterId id="2147483648" r:id="rId1"/>
   </p:sldMasterIdLst>
   <p:notesMasterIdLst>
-    <p:notesMasterId r:id="rId5"/>
+    <p:notesMasterId r:id="rId6"/>
   </p:notesMasterIdLst>
   <p:sldIdLst>
     <p:sldId id="256" r:id="rId2"/>
     <p:sldId id="257" r:id="rId3"/>
-    <p:sldId id="258" r:id="rId4"/>
+    <p:sldId id="259" r:id="rId4"/>
+    <p:sldId id="258" r:id="rId5"/>
   </p:sldIdLst>
   <p:sldSz cx="12192000" cy="6858000"/>
   <p:notesSz cx="6858000" cy="9144000"/>
+  <p:embeddedFontLst>
+    <p:embeddedFont>
+      <p:font typeface="HarmonyOS Sans SC" panose="00000500000000000000" pitchFamily="2" charset="-122"/>
+      <p:regular r:id="rId7"/>
+      <p:bold r:id="rId8"/>
+    </p:embeddedFont>
+    <p:embeddedFont>
+      <p:font typeface="得意黑" pitchFamily="2" charset="-122"/>
+      <p:italic r:id="rId9"/>
+    </p:embeddedFont>
+    <p:embeddedFont>
+      <p:font typeface="等线" panose="02010600030101010101" pitchFamily="2" charset="-122"/>
+      <p:regular r:id="rId10"/>
+      <p:bold r:id="rId11"/>
+    </p:embeddedFont>
+    <p:embeddedFont>
+      <p:font typeface="等线 Light" panose="02010600030101010101" pitchFamily="2" charset="-122"/>
+      <p:regular r:id="rId12"/>
+    </p:embeddedFont>
+    <p:embeddedFont>
+      <p:font typeface="Cascadia Code" panose="020B0609020000020004" pitchFamily="49" charset="0"/>
+      <p:regular r:id="rId13"/>
+      <p:bold r:id="rId14"/>
+      <p:italic r:id="rId15"/>
+      <p:boldItalic r:id="rId16"/>
+    </p:embeddedFont>
+    <p:embeddedFont>
+      <p:font typeface="Cascadia Code PL" panose="020B0609020000020004" pitchFamily="49" charset="0"/>
+      <p:regular r:id="rId17"/>
+      <p:bold r:id="rId18"/>
+      <p:italic r:id="rId19"/>
+      <p:boldItalic r:id="rId20"/>
+    </p:embeddedFont>
+    <p:embeddedFont>
+      <p:font typeface="Cascadia Mono" panose="020B0609020000020004" pitchFamily="49" charset="0"/>
+      <p:regular r:id="rId21"/>
+      <p:bold r:id="rId22"/>
+      <p:italic r:id="rId23"/>
+      <p:boldItalic r:id="rId24"/>
+    </p:embeddedFont>
+    <p:embeddedFont>
+      <p:font typeface="Cascadia Mono PL" panose="020B0609020000020004" pitchFamily="49" charset="0"/>
+      <p:regular r:id="rId25"/>
+      <p:bold r:id="rId26"/>
+      <p:italic r:id="rId27"/>
+      <p:boldItalic r:id="rId28"/>
+    </p:embeddedFont>
+    <p:embeddedFont>
+      <p:font typeface="HarmonyOS Sans" panose="00000500000000000000" pitchFamily="2" charset="0"/>
+      <p:regular r:id="rId29"/>
+      <p:bold r:id="rId30"/>
+    </p:embeddedFont>
+    <p:embeddedFont>
+      <p:font typeface="HarmonyOS Sans Condensed" panose="00000500000000000000" pitchFamily="2" charset="0"/>
+      <p:regular r:id="rId31"/>
+      <p:bold r:id="rId32"/>
+    </p:embeddedFont>
+  </p:embeddedFontLst>
   <p:defaultTextStyle>
     <a:defPPr>
       <a:defRPr lang="zh-CN"/>
@@ -199,7 +258,7 @@
           <a:p>
             <a:fld id="{F58CAACE-3D55-404F-A813-2C6DFCF1AFFE}" type="datetimeFigureOut">
               <a:rPr lang="zh-CN" altLang="en-US" smtClean="0"/>
-              <a:t>2022/7/6</a:t>
+              <a:t>2022/11/16</a:t>
             </a:fld>
             <a:endParaRPr lang="zh-CN" altLang="en-US"/>
           </a:p>
@@ -613,7 +672,7 @@
           <a:p>
             <a:fld id="{5221D2F3-8F18-40F3-B2CE-AC2AFBD6FFAC}" type="datetimeFigureOut">
               <a:rPr lang="zh-CN" altLang="en-US" smtClean="0"/>
-              <a:t>2022/7/6</a:t>
+              <a:t>2022/11/16</a:t>
             </a:fld>
             <a:endParaRPr lang="zh-CN" altLang="en-US"/>
           </a:p>
@@ -811,7 +870,7 @@
           <a:p>
             <a:fld id="{5221D2F3-8F18-40F3-B2CE-AC2AFBD6FFAC}" type="datetimeFigureOut">
               <a:rPr lang="zh-CN" altLang="en-US" smtClean="0"/>
-              <a:t>2022/7/6</a:t>
+              <a:t>2022/11/16</a:t>
             </a:fld>
             <a:endParaRPr lang="zh-CN" altLang="en-US"/>
           </a:p>
@@ -1019,7 +1078,7 @@
           <a:p>
             <a:fld id="{5221D2F3-8F18-40F3-B2CE-AC2AFBD6FFAC}" type="datetimeFigureOut">
               <a:rPr lang="zh-CN" altLang="en-US" smtClean="0"/>
-              <a:t>2022/7/6</a:t>
+              <a:t>2022/11/16</a:t>
             </a:fld>
             <a:endParaRPr lang="zh-CN" altLang="en-US"/>
           </a:p>
@@ -1217,7 +1276,7 @@
           <a:p>
             <a:fld id="{5221D2F3-8F18-40F3-B2CE-AC2AFBD6FFAC}" type="datetimeFigureOut">
               <a:rPr lang="zh-CN" altLang="en-US" smtClean="0"/>
-              <a:t>2022/7/6</a:t>
+              <a:t>2022/11/16</a:t>
             </a:fld>
             <a:endParaRPr lang="zh-CN" altLang="en-US"/>
           </a:p>
@@ -1492,7 +1551,7 @@
           <a:p>
             <a:fld id="{5221D2F3-8F18-40F3-B2CE-AC2AFBD6FFAC}" type="datetimeFigureOut">
               <a:rPr lang="zh-CN" altLang="en-US" smtClean="0"/>
-              <a:t>2022/7/6</a:t>
+              <a:t>2022/11/16</a:t>
             </a:fld>
             <a:endParaRPr lang="zh-CN" altLang="en-US"/>
           </a:p>
@@ -1757,7 +1816,7 @@
           <a:p>
             <a:fld id="{5221D2F3-8F18-40F3-B2CE-AC2AFBD6FFAC}" type="datetimeFigureOut">
               <a:rPr lang="zh-CN" altLang="en-US" smtClean="0"/>
-              <a:t>2022/7/6</a:t>
+              <a:t>2022/11/16</a:t>
             </a:fld>
             <a:endParaRPr lang="zh-CN" altLang="en-US"/>
           </a:p>
@@ -2169,7 +2228,7 @@
           <a:p>
             <a:fld id="{5221D2F3-8F18-40F3-B2CE-AC2AFBD6FFAC}" type="datetimeFigureOut">
               <a:rPr lang="zh-CN" altLang="en-US" smtClean="0"/>
-              <a:t>2022/7/6</a:t>
+              <a:t>2022/11/16</a:t>
             </a:fld>
             <a:endParaRPr lang="zh-CN" altLang="en-US"/>
           </a:p>
@@ -2310,7 +2369,7 @@
           <a:p>
             <a:fld id="{5221D2F3-8F18-40F3-B2CE-AC2AFBD6FFAC}" type="datetimeFigureOut">
               <a:rPr lang="zh-CN" altLang="en-US" smtClean="0"/>
-              <a:t>2022/7/6</a:t>
+              <a:t>2022/11/16</a:t>
             </a:fld>
             <a:endParaRPr lang="zh-CN" altLang="en-US"/>
           </a:p>
@@ -2423,7 +2482,7 @@
           <a:p>
             <a:fld id="{5221D2F3-8F18-40F3-B2CE-AC2AFBD6FFAC}" type="datetimeFigureOut">
               <a:rPr lang="zh-CN" altLang="en-US" smtClean="0"/>
-              <a:t>2022/7/6</a:t>
+              <a:t>2022/11/16</a:t>
             </a:fld>
             <a:endParaRPr lang="zh-CN" altLang="en-US"/>
           </a:p>
@@ -2734,7 +2793,7 @@
           <a:p>
             <a:fld id="{5221D2F3-8F18-40F3-B2CE-AC2AFBD6FFAC}" type="datetimeFigureOut">
               <a:rPr lang="zh-CN" altLang="en-US" smtClean="0"/>
-              <a:t>2022/7/6</a:t>
+              <a:t>2022/11/16</a:t>
             </a:fld>
             <a:endParaRPr lang="zh-CN" altLang="en-US"/>
           </a:p>
@@ -3022,7 +3081,7 @@
           <a:p>
             <a:fld id="{5221D2F3-8F18-40F3-B2CE-AC2AFBD6FFAC}" type="datetimeFigureOut">
               <a:rPr lang="zh-CN" altLang="en-US" smtClean="0"/>
-              <a:t>2022/7/6</a:t>
+              <a:t>2022/11/16</a:t>
             </a:fld>
             <a:endParaRPr lang="zh-CN" altLang="en-US"/>
           </a:p>
@@ -3269,7 +3328,7 @@
           <a:p>
             <a:fld id="{5221D2F3-8F18-40F3-B2CE-AC2AFBD6FFAC}" type="datetimeFigureOut">
               <a:rPr lang="zh-CN" altLang="en-US" smtClean="0"/>
-              <a:t>2022/7/6</a:t>
+              <a:t>2022/11/16</a:t>
             </a:fld>
             <a:endParaRPr lang="zh-CN" altLang="en-US"/>
           </a:p>
@@ -3790,8 +3849,8 @@
         </p:nvSpPr>
         <p:spPr>
           <a:xfrm>
-            <a:off x="8695111" y="5015591"/>
-            <a:ext cx="2903359" cy="1446550"/>
+            <a:off x="8936362" y="5015591"/>
+            <a:ext cx="2420855" cy="1154162"/>
           </a:xfrm>
           <a:prstGeom prst="rect">
             <a:avLst/>
@@ -3806,7 +3865,7 @@
           <a:p>
             <a:pPr algn="ctr"/>
             <a:r>
-              <a:rPr lang="en-US" altLang="zh-CN" sz="4400" b="1" dirty="0">
+              <a:rPr lang="en-US" altLang="zh-CN" sz="4400" dirty="0">
                 <a:ln w="22225">
                   <a:solidFill>
                     <a:schemeClr val="accent2"/>
@@ -3825,7 +3884,7 @@
               <a:t>s</a:t>
             </a:r>
             <a:r>
-              <a:rPr lang="en-US" altLang="zh-CN" sz="4400" b="1" cap="none" spc="0" dirty="0">
+              <a:rPr lang="en-US" altLang="zh-CN" sz="4400" cap="none" spc="0" dirty="0">
                 <a:ln w="22225">
                   <a:solidFill>
                     <a:schemeClr val="accent2"/>
@@ -3848,39 +3907,47 @@
           <a:p>
             <a:pPr algn="ctr"/>
             <a:r>
-              <a:rPr lang="en-US" altLang="zh-CN" sz="4400" b="1" cap="none" spc="0" dirty="0">
-                <a:ln w="22225">
-                  <a:solidFill>
-                    <a:schemeClr val="accent2"/>
-                  </a:solidFill>
-                  <a:prstDash val="solid"/>
-                </a:ln>
-                <a:solidFill>
-                  <a:schemeClr val="accent2">
-                    <a:lumMod val="40000"/>
-                    <a:lumOff val="60000"/>
-                  </a:schemeClr>
-                </a:solidFill>
-                <a:effectLst/>
+              <a:rPr lang="en-US" altLang="zh-CN" sz="1100" strike="sngStrike" dirty="0">
+                <a:ln w="0"/>
+                <a:effectLst>
+                  <a:outerShdw blurRad="38100" dist="19050" dir="2700000" algn="tl" rotWithShape="0">
+                    <a:schemeClr val="dk1">
+                      <a:alpha val="40000"/>
+                    </a:schemeClr>
+                  </a:outerShdw>
+                </a:effectLst>
                 <a:latin typeface="HarmonyOS Sans SC" panose="00000500000000000000" pitchFamily="2" charset="-122"/>
                 <a:ea typeface="HarmonyOS Sans SC" panose="00000500000000000000" pitchFamily="2" charset="-122"/>
               </a:rPr>
               <a:t>20211125</a:t>
             </a:r>
-            <a:endParaRPr lang="zh-CN" altLang="en-US" sz="4400" b="1" cap="none" spc="0" dirty="0">
-              <a:ln w="22225">
-                <a:solidFill>
-                  <a:schemeClr val="accent2"/>
-                </a:solidFill>
-                <a:prstDash val="solid"/>
-              </a:ln>
-              <a:solidFill>
-                <a:schemeClr val="accent2">
-                  <a:lumMod val="40000"/>
-                  <a:lumOff val="60000"/>
-                </a:schemeClr>
-              </a:solidFill>
-              <a:effectLst/>
+          </a:p>
+          <a:p>
+            <a:pPr algn="ctr"/>
+            <a:r>
+              <a:rPr lang="en-US" altLang="zh-CN" sz="1400" dirty="0">
+                <a:ln w="0"/>
+                <a:effectLst>
+                  <a:outerShdw blurRad="38100" dist="19050" dir="2700000" algn="tl" rotWithShape="0">
+                    <a:schemeClr val="dk1">
+                      <a:alpha val="40000"/>
+                    </a:schemeClr>
+                  </a:outerShdw>
+                </a:effectLst>
+                <a:latin typeface="HarmonyOS Sans SC" panose="00000500000000000000" pitchFamily="2" charset="-122"/>
+                <a:ea typeface="HarmonyOS Sans SC" panose="00000500000000000000" pitchFamily="2" charset="-122"/>
+              </a:rPr>
+              <a:t>20221116</a:t>
+            </a:r>
+            <a:endParaRPr lang="zh-CN" altLang="en-US" sz="1100" dirty="0">
+              <a:ln w="0"/>
+              <a:effectLst>
+                <a:outerShdw blurRad="38100" dist="19050" dir="2700000" algn="tl" rotWithShape="0">
+                  <a:schemeClr val="dk1">
+                    <a:alpha val="40000"/>
+                  </a:schemeClr>
+                </a:outerShdw>
+              </a:effectLst>
               <a:latin typeface="HarmonyOS Sans SC" panose="00000500000000000000" pitchFamily="2" charset="-122"/>
               <a:ea typeface="HarmonyOS Sans SC" panose="00000500000000000000" pitchFamily="2" charset="-122"/>
             </a:endParaRPr>
@@ -4308,184 +4375,6 @@
       </p:sp>
       <p:sp>
         <p:nvSpPr>
-          <p:cNvPr id="9" name="文本框 8">
-            <a:extLst>
-              <a:ext uri="{FF2B5EF4-FFF2-40B4-BE49-F238E27FC236}">
-                <a16:creationId xmlns:a16="http://schemas.microsoft.com/office/drawing/2014/main" id="{E9D155B9-448E-4BCB-9A6D-0F7504AED70D}"/>
-              </a:ext>
-            </a:extLst>
-          </p:cNvPr>
-          <p:cNvSpPr txBox="1"/>
-          <p:nvPr/>
-        </p:nvSpPr>
-        <p:spPr>
-          <a:xfrm>
-            <a:off x="235976" y="3566411"/>
-            <a:ext cx="8483224" cy="1200329"/>
-          </a:xfrm>
-          <a:prstGeom prst="rect">
-            <a:avLst/>
-          </a:prstGeom>
-          <a:noFill/>
-        </p:spPr>
-        <p:txBody>
-          <a:bodyPr wrap="square" rtlCol="0">
-            <a:spAutoFit/>
-          </a:bodyPr>
-          <a:lstStyle/>
-          <a:p>
-            <a:r>
-              <a:rPr lang="en-US" altLang="zh-CN" dirty="0" err="1">
-                <a:latin typeface="HarmonyOS Sans TC" panose="00000500000000000000" pitchFamily="2" charset="-120"/>
-                <a:ea typeface="HarmonyOS Sans TC" panose="00000500000000000000" pitchFamily="2" charset="-120"/>
-              </a:rPr>
-              <a:t>HarmonyOS</a:t>
-            </a:r>
-            <a:r>
-              <a:rPr lang="en-US" altLang="zh-CN" dirty="0">
-                <a:latin typeface="HarmonyOS Sans TC" panose="00000500000000000000" pitchFamily="2" charset="-120"/>
-                <a:ea typeface="HarmonyOS Sans TC" panose="00000500000000000000" pitchFamily="2" charset="-120"/>
-              </a:rPr>
-              <a:t> Sans TC</a:t>
-            </a:r>
-            <a:r>
-              <a:rPr lang="zh-CN" altLang="en-US" dirty="0">
-                <a:latin typeface="HarmonyOS Sans TC" panose="00000500000000000000" pitchFamily="2" charset="-120"/>
-                <a:ea typeface="HarmonyOS Sans TC" panose="00000500000000000000" pitchFamily="2" charset="-120"/>
-              </a:rPr>
-              <a:t>：鸿蒙好耶！随手打点字试试，从前有座山</a:t>
-            </a:r>
-            <a:r>
-              <a:rPr lang="en-US" altLang="zh-CN" dirty="0">
-                <a:latin typeface="HarmonyOS Sans TC" panose="00000500000000000000" pitchFamily="2" charset="-120"/>
-                <a:ea typeface="HarmonyOS Sans TC" panose="00000500000000000000" pitchFamily="2" charset="-120"/>
-              </a:rPr>
-              <a:t>~</a:t>
-            </a:r>
-          </a:p>
-          <a:p>
-            <a:r>
-              <a:rPr lang="en-US" altLang="zh-CN" dirty="0" err="1">
-                <a:latin typeface="HarmonyOS Sans TC" panose="00000500000000000000" pitchFamily="2" charset="-120"/>
-                <a:ea typeface="HarmonyOS Sans TC" panose="00000500000000000000" pitchFamily="2" charset="-120"/>
-              </a:rPr>
-              <a:t>abcdefghijklmnopqrstuvwxyz</a:t>
-            </a:r>
-            <a:r>
-              <a:rPr lang="en-US" altLang="zh-CN" dirty="0">
-                <a:latin typeface="HarmonyOS Sans TC" panose="00000500000000000000" pitchFamily="2" charset="-120"/>
-                <a:ea typeface="HarmonyOS Sans TC" panose="00000500000000000000" pitchFamily="2" charset="-120"/>
-              </a:rPr>
-              <a:t> ABCDEFGHIJKLMNOPQRSTUVWXYZ</a:t>
-            </a:r>
-          </a:p>
-          <a:p>
-            <a:r>
-              <a:rPr lang="en-US" altLang="zh-CN" dirty="0">
-                <a:latin typeface="HarmonyOS Sans TC" panose="00000500000000000000" pitchFamily="2" charset="-120"/>
-                <a:ea typeface="HarmonyOS Sans TC" panose="00000500000000000000" pitchFamily="2" charset="-120"/>
-              </a:rPr>
-              <a:t>·1234567890-=~</a:t>
-            </a:r>
-            <a:r>
-              <a:rPr lang="zh-CN" altLang="en-US" dirty="0">
-                <a:latin typeface="HarmonyOS Sans TC" panose="00000500000000000000" pitchFamily="2" charset="-120"/>
-                <a:ea typeface="HarmonyOS Sans TC" panose="00000500000000000000" pitchFamily="2" charset="-120"/>
-              </a:rPr>
-              <a:t>！</a:t>
-            </a:r>
-            <a:r>
-              <a:rPr lang="en-US" altLang="zh-CN" dirty="0">
-                <a:latin typeface="HarmonyOS Sans TC" panose="00000500000000000000" pitchFamily="2" charset="-120"/>
-                <a:ea typeface="HarmonyOS Sans TC" panose="00000500000000000000" pitchFamily="2" charset="-120"/>
-              </a:rPr>
-              <a:t>@#</a:t>
-            </a:r>
-            <a:r>
-              <a:rPr lang="zh-CN" altLang="en-US" dirty="0">
-                <a:latin typeface="HarmonyOS Sans TC" panose="00000500000000000000" pitchFamily="2" charset="-120"/>
-                <a:ea typeface="HarmonyOS Sans TC" panose="00000500000000000000" pitchFamily="2" charset="-120"/>
-              </a:rPr>
-              <a:t>￥</a:t>
-            </a:r>
-            <a:r>
-              <a:rPr lang="en-US" altLang="zh-CN" dirty="0">
-                <a:latin typeface="HarmonyOS Sans TC" panose="00000500000000000000" pitchFamily="2" charset="-120"/>
-                <a:ea typeface="HarmonyOS Sans TC" panose="00000500000000000000" pitchFamily="2" charset="-120"/>
-              </a:rPr>
-              <a:t>%……&amp;</a:t>
-            </a:r>
-            <a:r>
-              <a:rPr lang="zh-CN" altLang="en-US" dirty="0">
-                <a:latin typeface="HarmonyOS Sans TC" panose="00000500000000000000" pitchFamily="2" charset="-120"/>
-                <a:ea typeface="HarmonyOS Sans TC" panose="00000500000000000000" pitchFamily="2" charset="-120"/>
-              </a:rPr>
-              <a:t>*（）</a:t>
-            </a:r>
-            <a:r>
-              <a:rPr lang="en-US" altLang="zh-CN" dirty="0">
-                <a:latin typeface="HarmonyOS Sans TC" panose="00000500000000000000" pitchFamily="2" charset="-120"/>
-                <a:ea typeface="HarmonyOS Sans TC" panose="00000500000000000000" pitchFamily="2" charset="-120"/>
-              </a:rPr>
-              <a:t>——+【】</a:t>
-            </a:r>
-            <a:r>
-              <a:rPr lang="zh-CN" altLang="en-US" dirty="0">
-                <a:latin typeface="HarmonyOS Sans TC" panose="00000500000000000000" pitchFamily="2" charset="-120"/>
-                <a:ea typeface="HarmonyOS Sans TC" panose="00000500000000000000" pitchFamily="2" charset="-120"/>
-              </a:rPr>
-              <a:t>、；‘，。、</a:t>
-            </a:r>
-            <a:r>
-              <a:rPr lang="en-US" altLang="zh-CN" dirty="0">
-                <a:latin typeface="HarmonyOS Sans TC" panose="00000500000000000000" pitchFamily="2" charset="-120"/>
-                <a:ea typeface="HarmonyOS Sans TC" panose="00000500000000000000" pitchFamily="2" charset="-120"/>
-              </a:rPr>
-              <a:t>{}|</a:t>
-            </a:r>
-            <a:r>
-              <a:rPr lang="zh-CN" altLang="en-US" dirty="0">
-                <a:latin typeface="HarmonyOS Sans TC" panose="00000500000000000000" pitchFamily="2" charset="-120"/>
-                <a:ea typeface="HarmonyOS Sans TC" panose="00000500000000000000" pitchFamily="2" charset="-120"/>
-              </a:rPr>
-              <a:t>：“</a:t>
-            </a:r>
-            <a:r>
-              <a:rPr lang="en-US" altLang="zh-CN" dirty="0">
-                <a:latin typeface="HarmonyOS Sans TC" panose="00000500000000000000" pitchFamily="2" charset="-120"/>
-                <a:ea typeface="HarmonyOS Sans TC" panose="00000500000000000000" pitchFamily="2" charset="-120"/>
-              </a:rPr>
-              <a:t>《》</a:t>
-            </a:r>
-            <a:r>
-              <a:rPr lang="zh-CN" altLang="en-US" dirty="0">
-                <a:latin typeface="HarmonyOS Sans TC" panose="00000500000000000000" pitchFamily="2" charset="-120"/>
-                <a:ea typeface="HarmonyOS Sans TC" panose="00000500000000000000" pitchFamily="2" charset="-120"/>
-              </a:rPr>
-              <a:t>？</a:t>
-            </a:r>
-            <a:endParaRPr lang="en-US" altLang="zh-CN" dirty="0">
-              <a:latin typeface="HarmonyOS Sans TC" panose="00000500000000000000" pitchFamily="2" charset="-120"/>
-              <a:ea typeface="HarmonyOS Sans TC" panose="00000500000000000000" pitchFamily="2" charset="-120"/>
-            </a:endParaRPr>
-          </a:p>
-          <a:p>
-            <a:r>
-              <a:rPr lang="en-US" altLang="zh-CN" dirty="0">
-                <a:latin typeface="HarmonyOS Sans TC" panose="00000500000000000000" pitchFamily="2" charset="-120"/>
-                <a:ea typeface="HarmonyOS Sans TC" panose="00000500000000000000" pitchFamily="2" charset="-120"/>
-              </a:rPr>
-              <a:t>`1234567890-=~!@#$%^&amp;*()_+[]\;’,./{}|:”&lt;&gt;?</a:t>
-            </a:r>
-            <a:endParaRPr lang="zh-CN" altLang="en-US" dirty="0">
-              <a:latin typeface="HarmonyOS Sans TC" panose="00000500000000000000" pitchFamily="2" charset="-120"/>
-              <a:ea typeface="HarmonyOS Sans TC" panose="00000500000000000000" pitchFamily="2" charset="-120"/>
-            </a:endParaRPr>
-          </a:p>
-        </p:txBody>
-      </p:sp>
-      <p:sp>
-        <p:nvSpPr>
           <p:cNvPr id="10" name="文本框 9">
             <a:extLst>
               <a:ext uri="{FF2B5EF4-FFF2-40B4-BE49-F238E27FC236}">
@@ -4515,30 +4404,23 @@
             <a:r>
               <a:rPr lang="en-US" altLang="zh-CN" dirty="0" err="1">
                 <a:latin typeface="HarmonyOS Sans" panose="00000500000000000000" pitchFamily="2" charset="0"/>
-                <a:ea typeface="HarmonyOS Sans TC" panose="00000500000000000000" pitchFamily="2" charset="-120"/>
+                <a:ea typeface="HarmonyOS Sans SC" panose="00000500000000000000" pitchFamily="2" charset="-122"/>
               </a:rPr>
               <a:t>HarmonyOS</a:t>
             </a:r>
             <a:r>
               <a:rPr lang="en-US" altLang="zh-CN" dirty="0">
                 <a:latin typeface="HarmonyOS Sans" panose="00000500000000000000" pitchFamily="2" charset="0"/>
-                <a:ea typeface="HarmonyOS Sans TC" panose="00000500000000000000" pitchFamily="2" charset="-120"/>
+                <a:ea typeface="HarmonyOS Sans SC" panose="00000500000000000000" pitchFamily="2" charset="-122"/>
               </a:rPr>
               <a:t> Sans</a:t>
-            </a:r>
-            <a:r>
-              <a:rPr lang="zh-CN" altLang="en-US" dirty="0">
-                <a:latin typeface="HarmonyOS Sans" panose="00000500000000000000" pitchFamily="2" charset="0"/>
-                <a:ea typeface="HarmonyOS Sans TC" panose="00000500000000000000" pitchFamily="2" charset="-120"/>
-              </a:rPr>
-              <a:t>：鸿蒙好耶！</a:t>
             </a:r>
             <a:r>
               <a:rPr lang="zh-CN" altLang="en-US" dirty="0">
                 <a:latin typeface="HarmonyOS Sans" panose="00000500000000000000" pitchFamily="2" charset="0"/>
                 <a:ea typeface="HarmonyOS Sans SC" panose="00000500000000000000" pitchFamily="2" charset="-122"/>
               </a:rPr>
-              <a:t>随手打点字试试，从前有座山</a:t>
+              <a:t>：鸿蒙好耶！随手打点字试试，从前有座山</a:t>
             </a:r>
             <a:r>
               <a:rPr lang="en-US" altLang="zh-CN" dirty="0">
@@ -4547,128 +4429,124 @@
               </a:rPr>
               <a:t>~</a:t>
             </a:r>
+          </a:p>
+          <a:p>
+            <a:r>
+              <a:rPr lang="en-US" altLang="zh-CN" dirty="0" err="1">
+                <a:latin typeface="HarmonyOS Sans" panose="00000500000000000000" pitchFamily="2" charset="0"/>
+                <a:ea typeface="HarmonyOS Sans SC" panose="00000500000000000000" pitchFamily="2" charset="-122"/>
+              </a:rPr>
+              <a:t>abcdefghijklmnopqrstuvwxyz</a:t>
+            </a:r>
+            <a:r>
+              <a:rPr lang="en-US" altLang="zh-CN" dirty="0">
+                <a:latin typeface="HarmonyOS Sans" panose="00000500000000000000" pitchFamily="2" charset="0"/>
+                <a:ea typeface="HarmonyOS Sans SC" panose="00000500000000000000" pitchFamily="2" charset="-122"/>
+              </a:rPr>
+              <a:t> ABCDEFGHIJKLMNOPQRSTUVWXYZ</a:t>
+            </a:r>
+          </a:p>
+          <a:p>
+            <a:r>
+              <a:rPr lang="en-US" altLang="zh-CN" dirty="0">
+                <a:latin typeface="HarmonyOS Sans" panose="00000500000000000000" pitchFamily="2" charset="0"/>
+                <a:ea typeface="HarmonyOS Sans SC" panose="00000500000000000000" pitchFamily="2" charset="-122"/>
+              </a:rPr>
+              <a:t>·1234567890-=~</a:t>
+            </a:r>
+            <a:r>
+              <a:rPr lang="zh-CN" altLang="en-US" dirty="0">
+                <a:latin typeface="HarmonyOS Sans" panose="00000500000000000000" pitchFamily="2" charset="0"/>
+                <a:ea typeface="HarmonyOS Sans SC" panose="00000500000000000000" pitchFamily="2" charset="-122"/>
+              </a:rPr>
+              <a:t>！</a:t>
+            </a:r>
+            <a:r>
+              <a:rPr lang="en-US" altLang="zh-CN" dirty="0">
+                <a:latin typeface="HarmonyOS Sans" panose="00000500000000000000" pitchFamily="2" charset="0"/>
+                <a:ea typeface="HarmonyOS Sans SC" panose="00000500000000000000" pitchFamily="2" charset="-122"/>
+              </a:rPr>
+              <a:t>@#</a:t>
+            </a:r>
+            <a:r>
+              <a:rPr lang="zh-CN" altLang="en-US" dirty="0">
+                <a:latin typeface="HarmonyOS Sans" panose="00000500000000000000" pitchFamily="2" charset="0"/>
+                <a:ea typeface="HarmonyOS Sans SC" panose="00000500000000000000" pitchFamily="2" charset="-122"/>
+              </a:rPr>
+              <a:t>￥</a:t>
+            </a:r>
+            <a:r>
+              <a:rPr lang="en-US" altLang="zh-CN" dirty="0">
+                <a:latin typeface="HarmonyOS Sans" panose="00000500000000000000" pitchFamily="2" charset="0"/>
+                <a:ea typeface="HarmonyOS Sans SC" panose="00000500000000000000" pitchFamily="2" charset="-122"/>
+              </a:rPr>
+              <a:t>%……&amp;</a:t>
+            </a:r>
+            <a:r>
+              <a:rPr lang="zh-CN" altLang="en-US" dirty="0">
+                <a:latin typeface="HarmonyOS Sans" panose="00000500000000000000" pitchFamily="2" charset="0"/>
+                <a:ea typeface="HarmonyOS Sans SC" panose="00000500000000000000" pitchFamily="2" charset="-122"/>
+              </a:rPr>
+              <a:t>*（）</a:t>
+            </a:r>
+            <a:r>
+              <a:rPr lang="en-US" altLang="zh-CN" dirty="0">
+                <a:latin typeface="HarmonyOS Sans" panose="00000500000000000000" pitchFamily="2" charset="0"/>
+                <a:ea typeface="HarmonyOS Sans SC" panose="00000500000000000000" pitchFamily="2" charset="-122"/>
+              </a:rPr>
+              <a:t>——+【】</a:t>
+            </a:r>
+            <a:r>
+              <a:rPr lang="zh-CN" altLang="en-US" dirty="0">
+                <a:latin typeface="HarmonyOS Sans" panose="00000500000000000000" pitchFamily="2" charset="0"/>
+                <a:ea typeface="HarmonyOS Sans SC" panose="00000500000000000000" pitchFamily="2" charset="-122"/>
+              </a:rPr>
+              <a:t>、；‘，。、</a:t>
+            </a:r>
+            <a:r>
+              <a:rPr lang="en-US" altLang="zh-CN" dirty="0">
+                <a:latin typeface="HarmonyOS Sans" panose="00000500000000000000" pitchFamily="2" charset="0"/>
+                <a:ea typeface="HarmonyOS Sans SC" panose="00000500000000000000" pitchFamily="2" charset="-122"/>
+              </a:rPr>
+              <a:t>{}|</a:t>
+            </a:r>
+            <a:r>
+              <a:rPr lang="zh-CN" altLang="en-US" dirty="0">
+                <a:latin typeface="HarmonyOS Sans" panose="00000500000000000000" pitchFamily="2" charset="0"/>
+                <a:ea typeface="HarmonyOS Sans SC" panose="00000500000000000000" pitchFamily="2" charset="-122"/>
+              </a:rPr>
+              <a:t>：“</a:t>
+            </a:r>
+            <a:r>
+              <a:rPr lang="en-US" altLang="zh-CN" dirty="0">
+                <a:latin typeface="HarmonyOS Sans" panose="00000500000000000000" pitchFamily="2" charset="0"/>
+                <a:ea typeface="HarmonyOS Sans SC" panose="00000500000000000000" pitchFamily="2" charset="-122"/>
+              </a:rPr>
+              <a:t>《》</a:t>
+            </a:r>
+            <a:r>
+              <a:rPr lang="zh-CN" altLang="en-US" dirty="0">
+                <a:latin typeface="HarmonyOS Sans" panose="00000500000000000000" pitchFamily="2" charset="0"/>
+                <a:ea typeface="HarmonyOS Sans SC" panose="00000500000000000000" pitchFamily="2" charset="-122"/>
+              </a:rPr>
+              <a:t>？</a:t>
+            </a:r>
             <a:endParaRPr lang="en-US" altLang="zh-CN" dirty="0">
               <a:latin typeface="HarmonyOS Sans" panose="00000500000000000000" pitchFamily="2" charset="0"/>
-              <a:ea typeface="HarmonyOS Sans TC" panose="00000500000000000000" pitchFamily="2" charset="-120"/>
+              <a:ea typeface="HarmonyOS Sans SC" panose="00000500000000000000" pitchFamily="2" charset="-122"/>
             </a:endParaRPr>
           </a:p>
           <a:p>
             <a:r>
-              <a:rPr lang="en-US" altLang="zh-CN" dirty="0" err="1">
+              <a:rPr lang="en-US" altLang="zh-CN" dirty="0">
                 <a:latin typeface="HarmonyOS Sans" panose="00000500000000000000" pitchFamily="2" charset="0"/>
-                <a:ea typeface="HarmonyOS Sans TC" panose="00000500000000000000" pitchFamily="2" charset="-120"/>
-              </a:rPr>
-              <a:t>abcdefghijklmnopqrstuvwxyz</a:t>
-            </a:r>
-            <a:r>
-              <a:rPr lang="en-US" altLang="zh-CN" dirty="0">
-                <a:latin typeface="HarmonyOS Sans" panose="00000500000000000000" pitchFamily="2" charset="0"/>
-                <a:ea typeface="HarmonyOS Sans TC" panose="00000500000000000000" pitchFamily="2" charset="-120"/>
-              </a:rPr>
-              <a:t> ABCDEFGHIJKLMNOPQRSTUVWXYZ</a:t>
-            </a:r>
-          </a:p>
-          <a:p>
-            <a:r>
-              <a:rPr lang="en-US" altLang="zh-CN" dirty="0">
-                <a:latin typeface="HarmonyOS Sans" panose="00000500000000000000" pitchFamily="2" charset="0"/>
-                <a:ea typeface="HarmonyOS Sans TC" panose="00000500000000000000" pitchFamily="2" charset="-120"/>
-              </a:rPr>
-              <a:t>·1234567890-=~</a:t>
-            </a:r>
-            <a:r>
-              <a:rPr lang="zh-CN" altLang="en-US" dirty="0">
-                <a:latin typeface="HarmonyOS Sans" panose="00000500000000000000" pitchFamily="2" charset="0"/>
-                <a:ea typeface="HarmonyOS Sans TC" panose="00000500000000000000" pitchFamily="2" charset="-120"/>
-              </a:rPr>
-              <a:t>！</a:t>
-            </a:r>
-            <a:r>
-              <a:rPr lang="en-US" altLang="zh-CN" dirty="0">
-                <a:latin typeface="HarmonyOS Sans" panose="00000500000000000000" pitchFamily="2" charset="0"/>
-                <a:ea typeface="HarmonyOS Sans TC" panose="00000500000000000000" pitchFamily="2" charset="-120"/>
-              </a:rPr>
-              <a:t>@#</a:t>
-            </a:r>
-            <a:r>
-              <a:rPr lang="zh-CN" altLang="en-US" dirty="0">
-                <a:latin typeface="HarmonyOS Sans" panose="00000500000000000000" pitchFamily="2" charset="0"/>
-                <a:ea typeface="HarmonyOS Sans TC" panose="00000500000000000000" pitchFamily="2" charset="-120"/>
-              </a:rPr>
-              <a:t>￥</a:t>
-            </a:r>
-            <a:r>
-              <a:rPr lang="en-US" altLang="zh-CN" dirty="0">
-                <a:latin typeface="HarmonyOS Sans" panose="00000500000000000000" pitchFamily="2" charset="0"/>
-                <a:ea typeface="HarmonyOS Sans TC" panose="00000500000000000000" pitchFamily="2" charset="-120"/>
-              </a:rPr>
-              <a:t>%……&amp;</a:t>
-            </a:r>
-            <a:r>
-              <a:rPr lang="zh-CN" altLang="en-US" dirty="0">
-                <a:latin typeface="HarmonyOS Sans" panose="00000500000000000000" pitchFamily="2" charset="0"/>
-                <a:ea typeface="HarmonyOS Sans TC" panose="00000500000000000000" pitchFamily="2" charset="-120"/>
-              </a:rPr>
-              <a:t>*（）</a:t>
-            </a:r>
-            <a:r>
-              <a:rPr lang="en-US" altLang="zh-CN" dirty="0">
-                <a:latin typeface="HarmonyOS Sans" panose="00000500000000000000" pitchFamily="2" charset="0"/>
-                <a:ea typeface="HarmonyOS Sans TC" panose="00000500000000000000" pitchFamily="2" charset="-120"/>
-              </a:rPr>
-              <a:t>——+【】</a:t>
-            </a:r>
-            <a:r>
-              <a:rPr lang="zh-CN" altLang="en-US" dirty="0">
-                <a:latin typeface="HarmonyOS Sans" panose="00000500000000000000" pitchFamily="2" charset="0"/>
-                <a:ea typeface="HarmonyOS Sans TC" panose="00000500000000000000" pitchFamily="2" charset="-120"/>
-              </a:rPr>
-              <a:t>、；‘，。、</a:t>
-            </a:r>
-            <a:r>
-              <a:rPr lang="en-US" altLang="zh-CN" dirty="0">
-                <a:latin typeface="HarmonyOS Sans" panose="00000500000000000000" pitchFamily="2" charset="0"/>
-                <a:ea typeface="HarmonyOS Sans TC" panose="00000500000000000000" pitchFamily="2" charset="-120"/>
-              </a:rPr>
-              <a:t>{}|</a:t>
-            </a:r>
-            <a:r>
-              <a:rPr lang="zh-CN" altLang="en-US" dirty="0">
-                <a:latin typeface="HarmonyOS Sans" panose="00000500000000000000" pitchFamily="2" charset="0"/>
-                <a:ea typeface="HarmonyOS Sans TC" panose="00000500000000000000" pitchFamily="2" charset="-120"/>
-              </a:rPr>
-              <a:t>：“</a:t>
-            </a:r>
-            <a:r>
-              <a:rPr lang="en-US" altLang="zh-CN" dirty="0">
-                <a:latin typeface="HarmonyOS Sans" panose="00000500000000000000" pitchFamily="2" charset="0"/>
-                <a:ea typeface="HarmonyOS Sans TC" panose="00000500000000000000" pitchFamily="2" charset="-120"/>
-              </a:rPr>
-              <a:t>《》</a:t>
-            </a:r>
-            <a:r>
-              <a:rPr lang="zh-CN" altLang="en-US" dirty="0">
-                <a:latin typeface="HarmonyOS Sans" panose="00000500000000000000" pitchFamily="2" charset="0"/>
-                <a:ea typeface="HarmonyOS Sans TC" panose="00000500000000000000" pitchFamily="2" charset="-120"/>
-              </a:rPr>
-              <a:t>？</a:t>
-            </a:r>
-            <a:endParaRPr lang="en-US" altLang="zh-CN" dirty="0">
-              <a:latin typeface="HarmonyOS Sans" panose="00000500000000000000" pitchFamily="2" charset="0"/>
-              <a:ea typeface="HarmonyOS Sans TC" panose="00000500000000000000" pitchFamily="2" charset="-120"/>
-            </a:endParaRPr>
-          </a:p>
-          <a:p>
-            <a:r>
-              <a:rPr lang="en-US" altLang="zh-CN" dirty="0">
-                <a:latin typeface="HarmonyOS Sans" panose="00000500000000000000" pitchFamily="2" charset="0"/>
-                <a:ea typeface="HarmonyOS Sans TC" panose="00000500000000000000" pitchFamily="2" charset="-120"/>
+                <a:ea typeface="HarmonyOS Sans SC" panose="00000500000000000000" pitchFamily="2" charset="-122"/>
               </a:rPr>
               <a:t>`1234567890-=~!@#$%^&amp;*()_+[]\;’,./{}|:”&lt;&gt;?</a:t>
             </a:r>
             <a:endParaRPr lang="zh-CN" altLang="en-US" dirty="0">
               <a:latin typeface="HarmonyOS Sans" panose="00000500000000000000" pitchFamily="2" charset="0"/>
-              <a:ea typeface="HarmonyOS Sans TC" panose="00000500000000000000" pitchFamily="2" charset="-120"/>
+              <a:ea typeface="HarmonyOS Sans SC" panose="00000500000000000000" pitchFamily="2" charset="-122"/>
             </a:endParaRPr>
           </a:p>
         </p:txBody>
@@ -4687,7 +4565,7 @@
         </p:nvSpPr>
         <p:spPr>
           <a:xfrm>
-            <a:off x="232288" y="4766740"/>
+            <a:off x="232288" y="3566411"/>
             <a:ext cx="7882112" cy="1200329"/>
           </a:xfrm>
           <a:prstGeom prst="rect">
@@ -4865,6 +4743,438 @@
 </file>
 
 <file path=ppt/slides/slide3.xml><?xml version="1.0" encoding="utf-8"?>
+<p:sld xmlns:a="http://schemas.openxmlformats.org/drawingml/2006/main" xmlns:r="http://schemas.openxmlformats.org/officeDocument/2006/relationships" xmlns:p="http://schemas.openxmlformats.org/presentationml/2006/main">
+  <p:cSld>
+    <p:spTree>
+      <p:nvGrpSpPr>
+        <p:cNvPr id="1" name=""/>
+        <p:cNvGrpSpPr/>
+        <p:nvPr/>
+      </p:nvGrpSpPr>
+      <p:grpSpPr>
+        <a:xfrm>
+          <a:off x="0" y="0"/>
+          <a:ext cx="0" cy="0"/>
+          <a:chOff x="0" y="0"/>
+          <a:chExt cx="0" cy="0"/>
+        </a:xfrm>
+      </p:grpSpPr>
+      <p:sp>
+        <p:nvSpPr>
+          <p:cNvPr id="6" name="矩形 5">
+            <a:extLst>
+              <a:ext uri="{FF2B5EF4-FFF2-40B4-BE49-F238E27FC236}">
+                <a16:creationId xmlns:a16="http://schemas.microsoft.com/office/drawing/2014/main" id="{61742D0B-CFC3-4C1A-94DF-E50FEC7EF21C}"/>
+              </a:ext>
+            </a:extLst>
+          </p:cNvPr>
+          <p:cNvSpPr/>
+          <p:nvPr/>
+        </p:nvSpPr>
+        <p:spPr>
+          <a:xfrm>
+            <a:off x="584470" y="242423"/>
+            <a:ext cx="2281394" cy="923330"/>
+          </a:xfrm>
+          <a:prstGeom prst="rect">
+            <a:avLst/>
+          </a:prstGeom>
+          <a:noFill/>
+        </p:spPr>
+        <p:txBody>
+          <a:bodyPr wrap="none" lIns="91440" tIns="45720" rIns="91440" bIns="45720">
+            <a:spAutoFit/>
+          </a:bodyPr>
+          <a:lstStyle/>
+          <a:p>
+            <a:pPr algn="ctr"/>
+            <a:r>
+              <a:rPr lang="zh-CN" altLang="en-US" sz="5400" b="1" cap="none" spc="50" dirty="0">
+                <a:ln w="9525" cmpd="sng">
+                  <a:solidFill>
+                    <a:schemeClr val="accent1"/>
+                  </a:solidFill>
+                  <a:prstDash val="solid"/>
+                </a:ln>
+                <a:solidFill>
+                  <a:srgbClr val="70AD47">
+                    <a:tint val="1000"/>
+                  </a:srgbClr>
+                </a:solidFill>
+                <a:effectLst>
+                  <a:glow rad="38100">
+                    <a:schemeClr val="accent1">
+                      <a:alpha val="40000"/>
+                    </a:schemeClr>
+                  </a:glow>
+                </a:effectLst>
+                <a:latin typeface="HarmonyOS Sans SC" panose="00000500000000000000" pitchFamily="2" charset="-122"/>
+                <a:ea typeface="HarmonyOS Sans SC" panose="00000500000000000000" pitchFamily="2" charset="-122"/>
+              </a:rPr>
+              <a:t>得意黑</a:t>
+            </a:r>
+          </a:p>
+        </p:txBody>
+      </p:sp>
+      <p:sp>
+        <p:nvSpPr>
+          <p:cNvPr id="8" name="文本框 7">
+            <a:extLst>
+              <a:ext uri="{FF2B5EF4-FFF2-40B4-BE49-F238E27FC236}">
+                <a16:creationId xmlns:a16="http://schemas.microsoft.com/office/drawing/2014/main" id="{0D43B418-3F44-4B33-9DD6-832D132AF70C}"/>
+              </a:ext>
+            </a:extLst>
+          </p:cNvPr>
+          <p:cNvSpPr txBox="1"/>
+          <p:nvPr/>
+        </p:nvSpPr>
+        <p:spPr>
+          <a:xfrm>
+            <a:off x="232288" y="2366082"/>
+            <a:ext cx="8234912" cy="1200329"/>
+          </a:xfrm>
+          <a:prstGeom prst="rect">
+            <a:avLst/>
+          </a:prstGeom>
+          <a:noFill/>
+        </p:spPr>
+        <p:txBody>
+          <a:bodyPr wrap="square" rtlCol="0">
+            <a:spAutoFit/>
+          </a:bodyPr>
+          <a:lstStyle/>
+          <a:p>
+            <a:r>
+              <a:rPr lang="en-US" altLang="zh-CN" b="1" dirty="0">
+                <a:latin typeface="得意黑" pitchFamily="2" charset="-122"/>
+                <a:ea typeface="得意黑" pitchFamily="2" charset="-122"/>
+              </a:rPr>
+              <a:t>smiley-sans</a:t>
+            </a:r>
+            <a:r>
+              <a:rPr lang="zh-CN" altLang="en-US" b="1" dirty="0">
+                <a:latin typeface="得意黑" pitchFamily="2" charset="-122"/>
+                <a:ea typeface="得意黑" pitchFamily="2" charset="-122"/>
+              </a:rPr>
+              <a:t>：得意黑好耶！随手打点字试试，从前有座山</a:t>
+            </a:r>
+            <a:r>
+              <a:rPr lang="en-US" altLang="zh-CN" b="1" dirty="0">
+                <a:latin typeface="得意黑" pitchFamily="2" charset="-122"/>
+                <a:ea typeface="得意黑" pitchFamily="2" charset="-122"/>
+              </a:rPr>
+              <a:t>~ </a:t>
+            </a:r>
+            <a:r>
+              <a:rPr lang="zh-CN" altLang="en-US" b="1" dirty="0">
+                <a:latin typeface="得意黑" pitchFamily="2" charset="-122"/>
+                <a:ea typeface="得意黑" pitchFamily="2" charset="-122"/>
+              </a:rPr>
+              <a:t>（加粗）</a:t>
+            </a:r>
+            <a:endParaRPr lang="en-US" altLang="zh-CN" b="1" dirty="0">
+              <a:latin typeface="得意黑" pitchFamily="2" charset="-122"/>
+              <a:ea typeface="得意黑" pitchFamily="2" charset="-122"/>
+            </a:endParaRPr>
+          </a:p>
+          <a:p>
+            <a:r>
+              <a:rPr lang="en-US" altLang="zh-CN" b="1" dirty="0" err="1">
+                <a:latin typeface="得意黑" pitchFamily="2" charset="-122"/>
+                <a:ea typeface="得意黑" pitchFamily="2" charset="-122"/>
+              </a:rPr>
+              <a:t>abcdefghijklmnopqrstuvwxyz</a:t>
+            </a:r>
+            <a:r>
+              <a:rPr lang="en-US" altLang="zh-CN" b="1" dirty="0">
+                <a:latin typeface="得意黑" pitchFamily="2" charset="-122"/>
+                <a:ea typeface="得意黑" pitchFamily="2" charset="-122"/>
+              </a:rPr>
+              <a:t> ABCDEFGHIJKLMNOPQRSTUVWXYZ</a:t>
+            </a:r>
+          </a:p>
+          <a:p>
+            <a:r>
+              <a:rPr lang="en-US" altLang="zh-CN" b="1" dirty="0">
+                <a:latin typeface="得意黑" pitchFamily="2" charset="-122"/>
+                <a:ea typeface="得意黑" pitchFamily="2" charset="-122"/>
+              </a:rPr>
+              <a:t>·1234567890-=~</a:t>
+            </a:r>
+            <a:r>
+              <a:rPr lang="zh-CN" altLang="en-US" b="1" dirty="0">
+                <a:latin typeface="得意黑" pitchFamily="2" charset="-122"/>
+                <a:ea typeface="得意黑" pitchFamily="2" charset="-122"/>
+              </a:rPr>
+              <a:t>！</a:t>
+            </a:r>
+            <a:r>
+              <a:rPr lang="en-US" altLang="zh-CN" b="1" dirty="0">
+                <a:latin typeface="得意黑" pitchFamily="2" charset="-122"/>
+                <a:ea typeface="得意黑" pitchFamily="2" charset="-122"/>
+              </a:rPr>
+              <a:t>@#</a:t>
+            </a:r>
+            <a:r>
+              <a:rPr lang="zh-CN" altLang="en-US" b="1" dirty="0">
+                <a:latin typeface="得意黑" pitchFamily="2" charset="-122"/>
+                <a:ea typeface="得意黑" pitchFamily="2" charset="-122"/>
+              </a:rPr>
+              <a:t>￥</a:t>
+            </a:r>
+            <a:r>
+              <a:rPr lang="en-US" altLang="zh-CN" b="1" dirty="0">
+                <a:latin typeface="得意黑" pitchFamily="2" charset="-122"/>
+                <a:ea typeface="得意黑" pitchFamily="2" charset="-122"/>
+              </a:rPr>
+              <a:t>%……&amp;*</a:t>
+            </a:r>
+            <a:r>
+              <a:rPr lang="zh-CN" altLang="en-US" b="1" dirty="0">
+                <a:latin typeface="得意黑" pitchFamily="2" charset="-122"/>
+                <a:ea typeface="得意黑" pitchFamily="2" charset="-122"/>
+              </a:rPr>
+              <a:t>（）</a:t>
+            </a:r>
+            <a:r>
+              <a:rPr lang="en-US" altLang="zh-CN" b="1" dirty="0">
+                <a:latin typeface="得意黑" pitchFamily="2" charset="-122"/>
+                <a:ea typeface="得意黑" pitchFamily="2" charset="-122"/>
+              </a:rPr>
+              <a:t>——+【】</a:t>
+            </a:r>
+            <a:r>
+              <a:rPr lang="zh-CN" altLang="en-US" b="1" dirty="0">
+                <a:latin typeface="得意黑" pitchFamily="2" charset="-122"/>
+                <a:ea typeface="得意黑" pitchFamily="2" charset="-122"/>
+              </a:rPr>
+              <a:t>、；‘，。、</a:t>
+            </a:r>
+            <a:r>
+              <a:rPr lang="en-US" altLang="zh-CN" b="1" dirty="0">
+                <a:latin typeface="得意黑" pitchFamily="2" charset="-122"/>
+                <a:ea typeface="得意黑" pitchFamily="2" charset="-122"/>
+              </a:rPr>
+              <a:t>{}|</a:t>
+            </a:r>
+            <a:r>
+              <a:rPr lang="zh-CN" altLang="en-US" b="1" dirty="0">
+                <a:latin typeface="得意黑" pitchFamily="2" charset="-122"/>
+                <a:ea typeface="得意黑" pitchFamily="2" charset="-122"/>
+              </a:rPr>
+              <a:t>：“</a:t>
+            </a:r>
+            <a:r>
+              <a:rPr lang="en-US" altLang="zh-CN" b="1" dirty="0">
+                <a:latin typeface="得意黑" pitchFamily="2" charset="-122"/>
+                <a:ea typeface="得意黑" pitchFamily="2" charset="-122"/>
+              </a:rPr>
+              <a:t>《》</a:t>
+            </a:r>
+            <a:r>
+              <a:rPr lang="zh-CN" altLang="en-US" b="1" dirty="0">
+                <a:latin typeface="得意黑" pitchFamily="2" charset="-122"/>
+                <a:ea typeface="得意黑" pitchFamily="2" charset="-122"/>
+              </a:rPr>
+              <a:t>？</a:t>
+            </a:r>
+          </a:p>
+          <a:p>
+            <a:r>
+              <a:rPr lang="en-US" altLang="zh-CN" b="1" dirty="0">
+                <a:latin typeface="得意黑" pitchFamily="2" charset="-122"/>
+                <a:ea typeface="得意黑" pitchFamily="2" charset="-122"/>
+              </a:rPr>
+              <a:t>`1234567890-=~!@#$%^&amp;*()_+[]\;’,./{}|:”&lt;&gt;?</a:t>
+            </a:r>
+          </a:p>
+        </p:txBody>
+      </p:sp>
+      <p:sp>
+        <p:nvSpPr>
+          <p:cNvPr id="10" name="文本框 9">
+            <a:extLst>
+              <a:ext uri="{FF2B5EF4-FFF2-40B4-BE49-F238E27FC236}">
+                <a16:creationId xmlns:a16="http://schemas.microsoft.com/office/drawing/2014/main" id="{49778935-5256-418D-86A4-682F5B33A798}"/>
+              </a:ext>
+            </a:extLst>
+          </p:cNvPr>
+          <p:cNvSpPr txBox="1"/>
+          <p:nvPr/>
+        </p:nvSpPr>
+        <p:spPr>
+          <a:xfrm>
+            <a:off x="235016" y="1165753"/>
+            <a:ext cx="8664184" cy="1200329"/>
+          </a:xfrm>
+          <a:prstGeom prst="rect">
+            <a:avLst/>
+          </a:prstGeom>
+          <a:noFill/>
+        </p:spPr>
+        <p:txBody>
+          <a:bodyPr wrap="square" rtlCol="0">
+            <a:spAutoFit/>
+          </a:bodyPr>
+          <a:lstStyle/>
+          <a:p>
+            <a:r>
+              <a:rPr lang="en-US" altLang="zh-CN" dirty="0">
+                <a:latin typeface="得意黑" pitchFamily="2" charset="-122"/>
+                <a:ea typeface="得意黑" pitchFamily="2" charset="-122"/>
+              </a:rPr>
+              <a:t>smiley-sans</a:t>
+            </a:r>
+            <a:r>
+              <a:rPr lang="zh-CN" altLang="en-US" dirty="0">
+                <a:latin typeface="得意黑" pitchFamily="2" charset="-122"/>
+                <a:ea typeface="得意黑" pitchFamily="2" charset="-122"/>
+              </a:rPr>
+              <a:t>：得意黑好耶！随手打点字试试，从前有座山</a:t>
+            </a:r>
+            <a:r>
+              <a:rPr lang="en-US" altLang="zh-CN" dirty="0">
+                <a:latin typeface="得意黑" pitchFamily="2" charset="-122"/>
+                <a:ea typeface="得意黑" pitchFamily="2" charset="-122"/>
+              </a:rPr>
+              <a:t>~ </a:t>
+            </a:r>
+          </a:p>
+          <a:p>
+            <a:r>
+              <a:rPr lang="en-US" altLang="zh-CN" dirty="0" err="1">
+                <a:latin typeface="得意黑" pitchFamily="2" charset="-122"/>
+                <a:ea typeface="得意黑" pitchFamily="2" charset="-122"/>
+              </a:rPr>
+              <a:t>abcdefghijklmnopqrstuvwxyz</a:t>
+            </a:r>
+            <a:r>
+              <a:rPr lang="en-US" altLang="zh-CN" dirty="0">
+                <a:latin typeface="得意黑" pitchFamily="2" charset="-122"/>
+                <a:ea typeface="得意黑" pitchFamily="2" charset="-122"/>
+              </a:rPr>
+              <a:t> ABCDEFGHIJKLMNOPQRSTUVWXYZ</a:t>
+            </a:r>
+          </a:p>
+          <a:p>
+            <a:r>
+              <a:rPr lang="en-US" altLang="zh-CN" dirty="0">
+                <a:latin typeface="得意黑" pitchFamily="2" charset="-122"/>
+                <a:ea typeface="得意黑" pitchFamily="2" charset="-122"/>
+              </a:rPr>
+              <a:t>·1234567890-=~</a:t>
+            </a:r>
+            <a:r>
+              <a:rPr lang="zh-CN" altLang="en-US" dirty="0">
+                <a:latin typeface="得意黑" pitchFamily="2" charset="-122"/>
+                <a:ea typeface="得意黑" pitchFamily="2" charset="-122"/>
+              </a:rPr>
+              <a:t>！</a:t>
+            </a:r>
+            <a:r>
+              <a:rPr lang="en-US" altLang="zh-CN" dirty="0">
+                <a:latin typeface="得意黑" pitchFamily="2" charset="-122"/>
+                <a:ea typeface="得意黑" pitchFamily="2" charset="-122"/>
+              </a:rPr>
+              <a:t>@#</a:t>
+            </a:r>
+            <a:r>
+              <a:rPr lang="zh-CN" altLang="en-US" dirty="0">
+                <a:latin typeface="得意黑" pitchFamily="2" charset="-122"/>
+                <a:ea typeface="得意黑" pitchFamily="2" charset="-122"/>
+              </a:rPr>
+              <a:t>￥</a:t>
+            </a:r>
+            <a:r>
+              <a:rPr lang="en-US" altLang="zh-CN" dirty="0">
+                <a:latin typeface="得意黑" pitchFamily="2" charset="-122"/>
+                <a:ea typeface="得意黑" pitchFamily="2" charset="-122"/>
+              </a:rPr>
+              <a:t>%……&amp;</a:t>
+            </a:r>
+            <a:r>
+              <a:rPr lang="zh-CN" altLang="en-US" dirty="0">
+                <a:latin typeface="得意黑" pitchFamily="2" charset="-122"/>
+                <a:ea typeface="得意黑" pitchFamily="2" charset="-122"/>
+              </a:rPr>
+              <a:t>*（）</a:t>
+            </a:r>
+            <a:r>
+              <a:rPr lang="en-US" altLang="zh-CN" dirty="0">
+                <a:latin typeface="得意黑" pitchFamily="2" charset="-122"/>
+                <a:ea typeface="得意黑" pitchFamily="2" charset="-122"/>
+              </a:rPr>
+              <a:t>——+【】</a:t>
+            </a:r>
+            <a:r>
+              <a:rPr lang="zh-CN" altLang="en-US" dirty="0">
+                <a:latin typeface="得意黑" pitchFamily="2" charset="-122"/>
+                <a:ea typeface="得意黑" pitchFamily="2" charset="-122"/>
+              </a:rPr>
+              <a:t>、；‘，。、</a:t>
+            </a:r>
+            <a:r>
+              <a:rPr lang="en-US" altLang="zh-CN" dirty="0">
+                <a:latin typeface="得意黑" pitchFamily="2" charset="-122"/>
+                <a:ea typeface="得意黑" pitchFamily="2" charset="-122"/>
+              </a:rPr>
+              <a:t>{}|</a:t>
+            </a:r>
+            <a:r>
+              <a:rPr lang="zh-CN" altLang="en-US" dirty="0">
+                <a:latin typeface="得意黑" pitchFamily="2" charset="-122"/>
+                <a:ea typeface="得意黑" pitchFamily="2" charset="-122"/>
+              </a:rPr>
+              <a:t>：“</a:t>
+            </a:r>
+            <a:r>
+              <a:rPr lang="en-US" altLang="zh-CN" dirty="0">
+                <a:latin typeface="得意黑" pitchFamily="2" charset="-122"/>
+                <a:ea typeface="得意黑" pitchFamily="2" charset="-122"/>
+              </a:rPr>
+              <a:t>《》</a:t>
+            </a:r>
+            <a:r>
+              <a:rPr lang="zh-CN" altLang="en-US" dirty="0">
+                <a:latin typeface="得意黑" pitchFamily="2" charset="-122"/>
+                <a:ea typeface="得意黑" pitchFamily="2" charset="-122"/>
+              </a:rPr>
+              <a:t>？</a:t>
+            </a:r>
+            <a:endParaRPr lang="en-US" altLang="zh-CN" dirty="0">
+              <a:latin typeface="得意黑" pitchFamily="2" charset="-122"/>
+              <a:ea typeface="得意黑" pitchFamily="2" charset="-122"/>
+            </a:endParaRPr>
+          </a:p>
+          <a:p>
+            <a:r>
+              <a:rPr lang="en-US" altLang="zh-CN" dirty="0">
+                <a:latin typeface="得意黑" pitchFamily="2" charset="-122"/>
+                <a:ea typeface="得意黑" pitchFamily="2" charset="-122"/>
+              </a:rPr>
+              <a:t>`1234567890-=~!@#$%^&amp;*()_+[]\;’,./{}|:”&lt;&gt;?</a:t>
+            </a:r>
+            <a:endParaRPr lang="zh-CN" altLang="en-US" dirty="0">
+              <a:latin typeface="得意黑" pitchFamily="2" charset="-122"/>
+              <a:ea typeface="得意黑" pitchFamily="2" charset="-122"/>
+            </a:endParaRPr>
+          </a:p>
+        </p:txBody>
+      </p:sp>
+    </p:spTree>
+    <p:extLst>
+      <p:ext uri="{BB962C8B-B14F-4D97-AF65-F5344CB8AC3E}">
+        <p14:creationId xmlns:p14="http://schemas.microsoft.com/office/powerpoint/2010/main" val="465187687"/>
+      </p:ext>
+    </p:extLst>
+  </p:cSld>
+  <p:clrMapOvr>
+    <a:masterClrMapping/>
+  </p:clrMapOvr>
+</p:sld>
+</file>
+
+<file path=ppt/slides/slide4.xml><?xml version="1.0" encoding="utf-8"?>
 <p:sld xmlns:a="http://schemas.openxmlformats.org/drawingml/2006/main" xmlns:r="http://schemas.openxmlformats.org/officeDocument/2006/relationships" xmlns:p="http://schemas.openxmlformats.org/presentationml/2006/main">
   <p:cSld>
     <p:spTree>
